--- a/ETICA.pptx
+++ b/ETICA.pptx
@@ -5,16 +5,17 @@
     <p:sldMasterId id="2147483648" r:id="rId1"/>
   </p:sldMasterIdLst>
   <p:notesMasterIdLst>
-    <p:notesMasterId r:id="rId9"/>
+    <p:notesMasterId r:id="rId10"/>
   </p:notesMasterIdLst>
   <p:sldIdLst>
     <p:sldId id="256" r:id="rId2"/>
     <p:sldId id="257" r:id="rId3"/>
     <p:sldId id="259" r:id="rId4"/>
     <p:sldId id="265" r:id="rId5"/>
-    <p:sldId id="266" r:id="rId6"/>
-    <p:sldId id="258" r:id="rId7"/>
-    <p:sldId id="264" r:id="rId8"/>
+    <p:sldId id="267" r:id="rId6"/>
+    <p:sldId id="266" r:id="rId7"/>
+    <p:sldId id="258" r:id="rId8"/>
+    <p:sldId id="264" r:id="rId9"/>
   </p:sldIdLst>
   <p:sldSz cx="12192000" cy="6858000"/>
   <p:notesSz cx="6858000" cy="9144000"/>
@@ -263,7 +264,7 @@
       </p15:sldGuideLst>
     </p:ext>
     <p:ext uri="http://customooxmlschemas.google.com/">
-      <go:slidesCustomData xmlns:go="http://customooxmlschemas.google.com/" xmlns:ahyp="http://schemas.microsoft.com/office/drawing/2018/hyperlinkcolor" xmlns:p15="http://schemas.microsoft.com/office/powerpoint/2012/main" xmlns:p14="http://schemas.microsoft.com/office/powerpoint/2010/main" xmlns:com="http://schemas.openxmlformats.org/drawingml/2006/compatibility" xmlns:pvml="urn:schemas-microsoft-com:office:powerpoint" xmlns:v="urn:schemas-microsoft-com:vml" xmlns:o="urn:schemas-microsoft-com:office:office" xmlns:dgm="http://schemas.openxmlformats.org/drawingml/2006/diagram" xmlns:c="http://schemas.openxmlformats.org/drawingml/2006/chart" xmlns:mv="urn:schemas-microsoft-com:mac:vml" xmlns:mc="http://schemas.openxmlformats.org/markup-compatibility/2006" xmlns="" r:id="rId21" roundtripDataSignature="AMtx7mgsjGrl6WZwH9Oe1/1DS1J7d0fFnA=="/>
+      <go:slidesCustomData xmlns="" xmlns:mc="http://schemas.openxmlformats.org/markup-compatibility/2006" xmlns:mv="urn:schemas-microsoft-com:mac:vml" xmlns:c="http://schemas.openxmlformats.org/drawingml/2006/chart" xmlns:dgm="http://schemas.openxmlformats.org/drawingml/2006/diagram" xmlns:o="urn:schemas-microsoft-com:office:office" xmlns:v="urn:schemas-microsoft-com:vml" xmlns:pvml="urn:schemas-microsoft-com:office:powerpoint" xmlns:com="http://schemas.openxmlformats.org/drawingml/2006/compatibility" xmlns:p14="http://schemas.microsoft.com/office/powerpoint/2010/main" xmlns:p15="http://schemas.microsoft.com/office/powerpoint/2012/main" xmlns:ahyp="http://schemas.microsoft.com/office/drawing/2018/hyperlinkcolor" xmlns:go="http://customooxmlschemas.google.com/" r:id="rId21" roundtripDataSignature="AMtx7mgsjGrl6WZwH9Oe1/1DS1J7d0fFnA=="/>
     </p:ext>
   </p:extLst>
 </p:presentation>
@@ -1982,6 +1983,115 @@
     </p:spTree>
     <p:extLst>
       <p:ext uri="{BB962C8B-B14F-4D97-AF65-F5344CB8AC3E}">
+        <p14:creationId xmlns:p14="http://schemas.microsoft.com/office/powerpoint/2010/main" val="181423385"/>
+      </p:ext>
+    </p:extLst>
+  </p:cSld>
+  <p:clrMapOvr>
+    <a:masterClrMapping/>
+  </p:clrMapOvr>
+</p:notes>
+</file>
+
+<file path=ppt/notesSlides/notesSlide6.xml><?xml version="1.0" encoding="utf-8"?>
+<p:notes xmlns:a="http://schemas.openxmlformats.org/drawingml/2006/main" xmlns:r="http://schemas.openxmlformats.org/officeDocument/2006/relationships" xmlns:p="http://schemas.openxmlformats.org/presentationml/2006/main" showMasterSp="0" showMasterPhAnim="0">
+  <p:cSld>
+    <p:spTree>
+      <p:nvGrpSpPr>
+        <p:cNvPr id="1" name="Shape 37"/>
+        <p:cNvGrpSpPr/>
+        <p:nvPr/>
+      </p:nvGrpSpPr>
+      <p:grpSpPr>
+        <a:xfrm>
+          <a:off x="0" y="0"/>
+          <a:ext cx="0" cy="0"/>
+          <a:chOff x="0" y="0"/>
+          <a:chExt cx="0" cy="0"/>
+        </a:xfrm>
+      </p:grpSpPr>
+      <p:sp>
+        <p:nvSpPr>
+          <p:cNvPr id="38" name="Google Shape;38;gfdc9444567_0_6:notes"/>
+          <p:cNvSpPr txBox="1">
+            <a:spLocks noGrp="1"/>
+          </p:cNvSpPr>
+          <p:nvPr>
+            <p:ph type="body" idx="1"/>
+          </p:nvPr>
+        </p:nvSpPr>
+        <p:spPr>
+          <a:xfrm>
+            <a:off x="685800" y="4400550"/>
+            <a:ext cx="5486400" cy="3600600"/>
+          </a:xfrm>
+          <a:prstGeom prst="rect">
+            <a:avLst/>
+          </a:prstGeom>
+        </p:spPr>
+        <p:txBody>
+          <a:bodyPr spcFirstLastPara="1" wrap="square" lIns="91425" tIns="45700" rIns="91425" bIns="45700" anchor="t" anchorCtr="0">
+            <a:noAutofit/>
+          </a:bodyPr>
+          <a:lstStyle/>
+          <a:p>
+            <a:pPr marL="0" lvl="0" indent="0" algn="l" rtl="0">
+              <a:spcBef>
+                <a:spcPts val="0"/>
+              </a:spcBef>
+              <a:spcAft>
+                <a:spcPts val="0"/>
+              </a:spcAft>
+              <a:buNone/>
+            </a:pPr>
+            <a:endParaRPr/>
+          </a:p>
+        </p:txBody>
+      </p:sp>
+      <p:sp>
+        <p:nvSpPr>
+          <p:cNvPr id="39" name="Google Shape;39;gfdc9444567_0_6:notes"/>
+          <p:cNvSpPr>
+            <a:spLocks noGrp="1" noRot="1" noChangeAspect="1"/>
+          </p:cNvSpPr>
+          <p:nvPr>
+            <p:ph type="sldImg" idx="2"/>
+          </p:nvPr>
+        </p:nvSpPr>
+        <p:spPr>
+          <a:xfrm>
+            <a:off x="685800" y="1143000"/>
+            <a:ext cx="5486400" cy="3086100"/>
+          </a:xfrm>
+          <a:custGeom>
+            <a:avLst/>
+            <a:gdLst/>
+            <a:ahLst/>
+            <a:cxnLst/>
+            <a:rect l="l" t="t" r="r" b="b"/>
+            <a:pathLst>
+              <a:path w="120000" h="120000" extrusionOk="0">
+                <a:moveTo>
+                  <a:pt x="0" y="0"/>
+                </a:moveTo>
+                <a:lnTo>
+                  <a:pt x="120000" y="0"/>
+                </a:lnTo>
+                <a:lnTo>
+                  <a:pt x="120000" y="120000"/>
+                </a:lnTo>
+                <a:lnTo>
+                  <a:pt x="0" y="120000"/>
+                </a:lnTo>
+                <a:close/>
+              </a:path>
+            </a:pathLst>
+          </a:custGeom>
+        </p:spPr>
+      </p:sp>
+    </p:spTree>
+    <p:extLst>
+      <p:ext uri="{BB962C8B-B14F-4D97-AF65-F5344CB8AC3E}">
         <p14:creationId xmlns:p14="http://schemas.microsoft.com/office/powerpoint/2010/main" val="4092571670"/>
       </p:ext>
     </p:extLst>
@@ -1992,7 +2102,7 @@
 </p:notes>
 </file>
 
-<file path=ppt/notesSlides/notesSlide6.xml><?xml version="1.0" encoding="utf-8"?>
+<file path=ppt/notesSlides/notesSlide7.xml><?xml version="1.0" encoding="utf-8"?>
 <p:notes xmlns:a="http://schemas.openxmlformats.org/drawingml/2006/main" xmlns:r="http://schemas.openxmlformats.org/officeDocument/2006/relationships" xmlns:p="http://schemas.openxmlformats.org/presentationml/2006/main" showMasterSp="0" showMasterPhAnim="0">
   <p:cSld>
     <p:spTree>
@@ -2096,7 +2206,7 @@
 </p:notes>
 </file>
 
-<file path=ppt/notesSlides/notesSlide7.xml><?xml version="1.0" encoding="utf-8"?>
+<file path=ppt/notesSlides/notesSlide8.xml><?xml version="1.0" encoding="utf-8"?>
 <p:notes xmlns:a="http://schemas.openxmlformats.org/drawingml/2006/main" xmlns:r="http://schemas.openxmlformats.org/officeDocument/2006/relationships" xmlns:p="http://schemas.openxmlformats.org/presentationml/2006/main" showMasterSp="0" showMasterPhAnim="0">
   <p:cSld>
     <p:spTree>
@@ -3866,6 +3976,363 @@
                 <a:cs typeface="Calibri"/>
                 <a:sym typeface="Calibri"/>
               </a:rPr>
+              <a:t>Você tem brio?</a:t>
+            </a:r>
+          </a:p>
+        </p:txBody>
+      </p:sp>
+      <p:sp>
+        <p:nvSpPr>
+          <p:cNvPr id="44" name="Google Shape;44;gfdc9444567_0_6"/>
+          <p:cNvSpPr txBox="1"/>
+          <p:nvPr/>
+        </p:nvSpPr>
+        <p:spPr>
+          <a:xfrm>
+            <a:off x="1931518" y="3536440"/>
+            <a:ext cx="9778500" cy="307800"/>
+          </a:xfrm>
+          <a:prstGeom prst="rect">
+            <a:avLst/>
+          </a:prstGeom>
+          <a:noFill/>
+          <a:ln>
+            <a:noFill/>
+          </a:ln>
+        </p:spPr>
+        <p:txBody>
+          <a:bodyPr spcFirstLastPara="1" wrap="square" lIns="91425" tIns="45700" rIns="91425" bIns="45700" anchor="t" anchorCtr="0">
+            <a:spAutoFit/>
+          </a:bodyPr>
+          <a:lstStyle/>
+          <a:p>
+            <a:pPr marL="0" marR="0" lvl="0" indent="0" algn="l" rtl="0">
+              <a:spcBef>
+                <a:spcPts val="0"/>
+              </a:spcBef>
+              <a:spcAft>
+                <a:spcPts val="0"/>
+              </a:spcAft>
+              <a:buNone/>
+            </a:pPr>
+            <a:endParaRPr/>
+          </a:p>
+        </p:txBody>
+      </p:sp>
+      <p:pic>
+        <p:nvPicPr>
+          <p:cNvPr id="45" name="Google Shape;45;gfdc9444567_0_6"/>
+          <p:cNvPicPr preferRelativeResize="0"/>
+          <p:nvPr/>
+        </p:nvPicPr>
+        <p:blipFill rotWithShape="1">
+          <a:blip r:embed="rId4">
+            <a:alphaModFix/>
+          </a:blip>
+          <a:srcRect/>
+          <a:stretch/>
+        </p:blipFill>
+        <p:spPr>
+          <a:xfrm>
+            <a:off x="0" y="0"/>
+            <a:ext cx="12192003" cy="514909"/>
+          </a:xfrm>
+          <a:prstGeom prst="rect">
+            <a:avLst/>
+          </a:prstGeom>
+          <a:noFill/>
+          <a:ln>
+            <a:noFill/>
+          </a:ln>
+        </p:spPr>
+      </p:pic>
+      <p:sp>
+        <p:nvSpPr>
+          <p:cNvPr id="3" name="CaixaDeTexto 2">
+            <a:extLst>
+              <a:ext uri="{FF2B5EF4-FFF2-40B4-BE49-F238E27FC236}">
+                <a16:creationId xmlns:a16="http://schemas.microsoft.com/office/drawing/2014/main" id="{BE5747CD-1E6E-019D-9E95-D2BBFD7432BB}"/>
+              </a:ext>
+            </a:extLst>
+          </p:cNvPr>
+          <p:cNvSpPr txBox="1"/>
+          <p:nvPr/>
+        </p:nvSpPr>
+        <p:spPr>
+          <a:xfrm>
+            <a:off x="-4" y="6100806"/>
+            <a:ext cx="12192004" cy="307777"/>
+          </a:xfrm>
+          <a:prstGeom prst="rect">
+            <a:avLst/>
+          </a:prstGeom>
+          <a:noFill/>
+        </p:spPr>
+        <p:txBody>
+          <a:bodyPr wrap="square">
+            <a:spAutoFit/>
+          </a:bodyPr>
+          <a:lstStyle/>
+          <a:p>
+            <a:pPr algn="ctr"/>
+            <a:r>
+              <a:rPr lang="pt-BR" b="0" dirty="0">
+                <a:solidFill>
+                  <a:schemeClr val="tx1">
+                    <a:lumMod val="50000"/>
+                    <a:lumOff val="50000"/>
+                  </a:schemeClr>
+                </a:solidFill>
+                <a:effectLst/>
+                <a:latin typeface="Consolas" panose="020B0609020204030204" pitchFamily="49" charset="0"/>
+              </a:rPr>
+              <a:t>https://www.youtube.com/watch?v=TRPBY_lxJfE</a:t>
+            </a:r>
+          </a:p>
+        </p:txBody>
+      </p:sp>
+      <p:pic>
+        <p:nvPicPr>
+          <p:cNvPr id="2" name="Mídia Online 1" title="Motivação para estudar | Clóvis de Barros Filho | INSPIRE-C">
+            <a:hlinkClick r:id="" action="ppaction://media"/>
+            <a:extLst>
+              <a:ext uri="{FF2B5EF4-FFF2-40B4-BE49-F238E27FC236}">
+                <a16:creationId xmlns:a16="http://schemas.microsoft.com/office/drawing/2014/main" id="{1E5E385A-2754-EBFE-A3DC-5689D75A9075}"/>
+              </a:ext>
+            </a:extLst>
+          </p:cNvPr>
+          <p:cNvPicPr>
+            <a:picLocks noRot="1" noChangeAspect="1"/>
+          </p:cNvPicPr>
+          <p:nvPr>
+            <a:videoFile r:link="rId1"/>
+          </p:nvPr>
+        </p:nvPicPr>
+        <p:blipFill>
+          <a:blip r:embed="rId5"/>
+          <a:stretch>
+            <a:fillRect/>
+          </a:stretch>
+        </p:blipFill>
+        <p:spPr>
+          <a:xfrm>
+            <a:off x="3731045" y="2201285"/>
+            <a:ext cx="6179446" cy="3491387"/>
+          </a:xfrm>
+          <a:prstGeom prst="rect">
+            <a:avLst/>
+          </a:prstGeom>
+        </p:spPr>
+      </p:pic>
+    </p:spTree>
+    <p:extLst>
+      <p:ext uri="{BB962C8B-B14F-4D97-AF65-F5344CB8AC3E}">
+        <p14:creationId xmlns:p14="http://schemas.microsoft.com/office/powerpoint/2010/main" val="261523194"/>
+      </p:ext>
+    </p:extLst>
+  </p:cSld>
+  <p:clrMapOvr>
+    <a:masterClrMapping/>
+  </p:clrMapOvr>
+  <p:timing>
+    <p:tnLst>
+      <p:par>
+        <p:cTn id="1" dur="indefinite" restart="never" nodeType="tmRoot">
+          <p:childTnLst>
+            <p:seq concurrent="1" nextAc="seek">
+              <p:cTn id="2" dur="indefinite" nodeType="mainSeq">
+                <p:childTnLst>
+                  <p:par>
+                    <p:cTn id="3" fill="hold">
+                      <p:stCondLst>
+                        <p:cond delay="indefinite"/>
+                      </p:stCondLst>
+                      <p:childTnLst>
+                        <p:par>
+                          <p:cTn id="4" fill="hold">
+                            <p:stCondLst>
+                              <p:cond delay="0"/>
+                            </p:stCondLst>
+                            <p:childTnLst>
+                              <p:par>
+                                <p:cTn id="5" presetID="1" presetClass="mediacall" presetSubtype="0" fill="hold" nodeType="clickEffect">
+                                  <p:stCondLst>
+                                    <p:cond delay="0"/>
+                                  </p:stCondLst>
+                                  <p:childTnLst>
+                                    <p:cmd type="call" cmd="playFrom(0.0)">
+                                      <p:cBhvr>
+                                        <p:cTn id="6" dur="1" fill="hold"/>
+                                        <p:tgtEl>
+                                          <p:spTgt spid="2"/>
+                                        </p:tgtEl>
+                                      </p:cBhvr>
+                                    </p:cmd>
+                                  </p:childTnLst>
+                                </p:cTn>
+                              </p:par>
+                            </p:childTnLst>
+                          </p:cTn>
+                        </p:par>
+                      </p:childTnLst>
+                    </p:cTn>
+                  </p:par>
+                </p:childTnLst>
+              </p:cTn>
+              <p:prevCondLst>
+                <p:cond evt="onPrev" delay="0">
+                  <p:tgtEl>
+                    <p:sldTgt/>
+                  </p:tgtEl>
+                </p:cond>
+              </p:prevCondLst>
+              <p:nextCondLst>
+                <p:cond evt="onNext" delay="0">
+                  <p:tgtEl>
+                    <p:sldTgt/>
+                  </p:tgtEl>
+                </p:cond>
+              </p:nextCondLst>
+            </p:seq>
+            <p:video>
+              <p:cMediaNode vol="80000">
+                <p:cTn id="7" fill="hold" display="0">
+                  <p:stCondLst>
+                    <p:cond delay="indefinite"/>
+                  </p:stCondLst>
+                </p:cTn>
+                <p:tgtEl>
+                  <p:spTgt spid="2"/>
+                </p:tgtEl>
+              </p:cMediaNode>
+            </p:video>
+            <p:seq concurrent="1" nextAc="seek">
+              <p:cTn id="8" restart="whenNotActive" fill="hold" evtFilter="cancelBubble" nodeType="interactiveSeq">
+                <p:stCondLst>
+                  <p:cond evt="onClick" delay="0">
+                    <p:tgtEl>
+                      <p:spTgt spid="2"/>
+                    </p:tgtEl>
+                  </p:cond>
+                </p:stCondLst>
+                <p:endSync evt="end" delay="0">
+                  <p:rtn val="all"/>
+                </p:endSync>
+                <p:childTnLst>
+                  <p:par>
+                    <p:cTn id="9" fill="hold">
+                      <p:stCondLst>
+                        <p:cond delay="0"/>
+                      </p:stCondLst>
+                      <p:childTnLst>
+                        <p:par>
+                          <p:cTn id="10" fill="hold">
+                            <p:stCondLst>
+                              <p:cond delay="0"/>
+                            </p:stCondLst>
+                            <p:childTnLst>
+                              <p:par>
+                                <p:cTn id="11" presetID="2" presetClass="mediacall" presetSubtype="0" fill="hold" nodeType="clickEffect">
+                                  <p:stCondLst>
+                                    <p:cond delay="0"/>
+                                  </p:stCondLst>
+                                  <p:childTnLst>
+                                    <p:cmd type="call" cmd="togglePause">
+                                      <p:cBhvr>
+                                        <p:cTn id="12" dur="1" fill="hold"/>
+                                        <p:tgtEl>
+                                          <p:spTgt spid="2"/>
+                                        </p:tgtEl>
+                                      </p:cBhvr>
+                                    </p:cmd>
+                                  </p:childTnLst>
+                                </p:cTn>
+                              </p:par>
+                            </p:childTnLst>
+                          </p:cTn>
+                        </p:par>
+                      </p:childTnLst>
+                    </p:cTn>
+                  </p:par>
+                </p:childTnLst>
+              </p:cTn>
+              <p:nextCondLst>
+                <p:cond evt="onClick" delay="0">
+                  <p:tgtEl>
+                    <p:spTgt spid="2"/>
+                  </p:tgtEl>
+                </p:cond>
+              </p:nextCondLst>
+            </p:seq>
+          </p:childTnLst>
+        </p:cTn>
+      </p:par>
+    </p:tnLst>
+  </p:timing>
+</p:sld>
+</file>
+
+<file path=ppt/slides/slide5.xml><?xml version="1.0" encoding="utf-8"?>
+<p:sld xmlns:a="http://schemas.openxmlformats.org/drawingml/2006/main" xmlns:r="http://schemas.openxmlformats.org/officeDocument/2006/relationships" xmlns:p="http://schemas.openxmlformats.org/presentationml/2006/main">
+  <p:cSld>
+    <p:spTree>
+      <p:nvGrpSpPr>
+        <p:cNvPr id="1" name="Shape 40"/>
+        <p:cNvGrpSpPr/>
+        <p:nvPr/>
+      </p:nvGrpSpPr>
+      <p:grpSpPr>
+        <a:xfrm>
+          <a:off x="0" y="0"/>
+          <a:ext cx="0" cy="0"/>
+          <a:chOff x="0" y="0"/>
+          <a:chExt cx="0" cy="0"/>
+        </a:xfrm>
+      </p:grpSpPr>
+      <p:sp>
+        <p:nvSpPr>
+          <p:cNvPr id="42" name="Google Shape;42;gfdc9444567_0_6"/>
+          <p:cNvSpPr txBox="1"/>
+          <p:nvPr/>
+        </p:nvSpPr>
+        <p:spPr>
+          <a:xfrm>
+            <a:off x="-4" y="1025651"/>
+            <a:ext cx="12192003" cy="708000"/>
+          </a:xfrm>
+          <a:prstGeom prst="rect">
+            <a:avLst/>
+          </a:prstGeom>
+          <a:noFill/>
+          <a:ln>
+            <a:noFill/>
+          </a:ln>
+        </p:spPr>
+        <p:txBody>
+          <a:bodyPr spcFirstLastPara="1" wrap="square" lIns="91425" tIns="45700" rIns="91425" bIns="45700" anchor="t" anchorCtr="0">
+            <a:spAutoFit/>
+          </a:bodyPr>
+          <a:lstStyle/>
+          <a:p>
+            <a:pPr marL="0" marR="0" lvl="0" indent="0" algn="ctr" rtl="0">
+              <a:spcBef>
+                <a:spcPts val="0"/>
+              </a:spcBef>
+              <a:spcAft>
+                <a:spcPts val="0"/>
+              </a:spcAft>
+              <a:buNone/>
+            </a:pPr>
+            <a:r>
+              <a:rPr lang="pt-BR" sz="4000" b="1" dirty="0">
+                <a:solidFill>
+                  <a:schemeClr val="accent2"/>
+                </a:solidFill>
+                <a:latin typeface="Calibri"/>
+                <a:ea typeface="Calibri"/>
+                <a:cs typeface="Calibri"/>
+                <a:sym typeface="Calibri"/>
+              </a:rPr>
               <a:t>Podcast</a:t>
             </a:r>
           </a:p>
@@ -4062,7 +4529,7 @@
     </p:spTree>
     <p:extLst>
       <p:ext uri="{BB962C8B-B14F-4D97-AF65-F5344CB8AC3E}">
-        <p14:creationId xmlns:p14="http://schemas.microsoft.com/office/powerpoint/2010/main" val="261523194"/>
+        <p14:creationId xmlns:p14="http://schemas.microsoft.com/office/powerpoint/2010/main" val="506143800"/>
       </p:ext>
     </p:extLst>
   </p:cSld>
@@ -4207,7 +4674,7 @@
 </p:sld>
 </file>
 
-<file path=ppt/slides/slide5.xml><?xml version="1.0" encoding="utf-8"?>
+<file path=ppt/slides/slide6.xml><?xml version="1.0" encoding="utf-8"?>
 <p:sld xmlns:a="http://schemas.openxmlformats.org/drawingml/2006/main" xmlns:r="http://schemas.openxmlformats.org/officeDocument/2006/relationships" xmlns:p="http://schemas.openxmlformats.org/presentationml/2006/main">
   <p:cSld>
     <p:spTree>
@@ -4609,7 +5076,7 @@
 </p:sld>
 </file>
 
-<file path=ppt/slides/slide6.xml><?xml version="1.0" encoding="utf-8"?>
+<file path=ppt/slides/slide7.xml><?xml version="1.0" encoding="utf-8"?>
 <p:sld xmlns:a="http://schemas.openxmlformats.org/drawingml/2006/main" xmlns:r="http://schemas.openxmlformats.org/officeDocument/2006/relationships" xmlns:p="http://schemas.openxmlformats.org/presentationml/2006/main">
   <p:cSld>
     <p:spTree>
@@ -4943,7 +5410,7 @@
 </p:sld>
 </file>
 
-<file path=ppt/slides/slide7.xml><?xml version="1.0" encoding="utf-8"?>
+<file path=ppt/slides/slide8.xml><?xml version="1.0" encoding="utf-8"?>
 <p:sld xmlns:a="http://schemas.openxmlformats.org/drawingml/2006/main" xmlns:r="http://schemas.openxmlformats.org/officeDocument/2006/relationships" xmlns:p="http://schemas.openxmlformats.org/presentationml/2006/main">
   <p:cSld>
     <p:spTree>

--- a/ETICA.pptx
+++ b/ETICA.pptx
@@ -5,7 +5,7 @@
     <p:sldMasterId id="2147483648" r:id="rId1"/>
   </p:sldMasterIdLst>
   <p:notesMasterIdLst>
-    <p:notesMasterId r:id="rId10"/>
+    <p:notesMasterId r:id="rId11"/>
   </p:notesMasterIdLst>
   <p:sldIdLst>
     <p:sldId id="256" r:id="rId2"/>
@@ -14,8 +14,9 @@
     <p:sldId id="265" r:id="rId5"/>
     <p:sldId id="267" r:id="rId6"/>
     <p:sldId id="266" r:id="rId7"/>
-    <p:sldId id="258" r:id="rId8"/>
-    <p:sldId id="264" r:id="rId9"/>
+    <p:sldId id="268" r:id="rId8"/>
+    <p:sldId id="258" r:id="rId9"/>
+    <p:sldId id="264" r:id="rId10"/>
   </p:sldIdLst>
   <p:sldSz cx="12192000" cy="6858000"/>
   <p:notesSz cx="6858000" cy="9144000"/>
@@ -264,7 +265,7 @@
       </p15:sldGuideLst>
     </p:ext>
     <p:ext uri="http://customooxmlschemas.google.com/">
-      <go:slidesCustomData xmlns="" xmlns:mc="http://schemas.openxmlformats.org/markup-compatibility/2006" xmlns:mv="urn:schemas-microsoft-com:mac:vml" xmlns:c="http://schemas.openxmlformats.org/drawingml/2006/chart" xmlns:dgm="http://schemas.openxmlformats.org/drawingml/2006/diagram" xmlns:o="urn:schemas-microsoft-com:office:office" xmlns:v="urn:schemas-microsoft-com:vml" xmlns:pvml="urn:schemas-microsoft-com:office:powerpoint" xmlns:com="http://schemas.openxmlformats.org/drawingml/2006/compatibility" xmlns:p14="http://schemas.microsoft.com/office/powerpoint/2010/main" xmlns:p15="http://schemas.microsoft.com/office/powerpoint/2012/main" xmlns:ahyp="http://schemas.microsoft.com/office/drawing/2018/hyperlinkcolor" xmlns:go="http://customooxmlschemas.google.com/" r:id="rId21" roundtripDataSignature="AMtx7mgsjGrl6WZwH9Oe1/1DS1J7d0fFnA=="/>
+      <go:slidesCustomData xmlns:go="http://customooxmlschemas.google.com/" xmlns:ahyp="http://schemas.microsoft.com/office/drawing/2018/hyperlinkcolor" xmlns:p15="http://schemas.microsoft.com/office/powerpoint/2012/main" xmlns:p14="http://schemas.microsoft.com/office/powerpoint/2010/main" xmlns:com="http://schemas.openxmlformats.org/drawingml/2006/compatibility" xmlns:pvml="urn:schemas-microsoft-com:office:powerpoint" xmlns:v="urn:schemas-microsoft-com:vml" xmlns:o="urn:schemas-microsoft-com:office:office" xmlns:dgm="http://schemas.openxmlformats.org/drawingml/2006/diagram" xmlns:c="http://schemas.openxmlformats.org/drawingml/2006/chart" xmlns:mv="urn:schemas-microsoft-com:mac:vml" xmlns:mc="http://schemas.openxmlformats.org/markup-compatibility/2006" xmlns="" r:id="rId21" roundtripDataSignature="AMtx7mgsjGrl6WZwH9Oe1/1DS1J7d0fFnA=="/>
     </p:ext>
   </p:extLst>
 </p:presentation>
@@ -2107,6 +2108,115 @@
   <p:cSld>
     <p:spTree>
       <p:nvGrpSpPr>
+        <p:cNvPr id="1" name="Shape 37"/>
+        <p:cNvGrpSpPr/>
+        <p:nvPr/>
+      </p:nvGrpSpPr>
+      <p:grpSpPr>
+        <a:xfrm>
+          <a:off x="0" y="0"/>
+          <a:ext cx="0" cy="0"/>
+          <a:chOff x="0" y="0"/>
+          <a:chExt cx="0" cy="0"/>
+        </a:xfrm>
+      </p:grpSpPr>
+      <p:sp>
+        <p:nvSpPr>
+          <p:cNvPr id="38" name="Google Shape;38;gfdc9444567_0_6:notes"/>
+          <p:cNvSpPr txBox="1">
+            <a:spLocks noGrp="1"/>
+          </p:cNvSpPr>
+          <p:nvPr>
+            <p:ph type="body" idx="1"/>
+          </p:nvPr>
+        </p:nvSpPr>
+        <p:spPr>
+          <a:xfrm>
+            <a:off x="685800" y="4400550"/>
+            <a:ext cx="5486400" cy="3600600"/>
+          </a:xfrm>
+          <a:prstGeom prst="rect">
+            <a:avLst/>
+          </a:prstGeom>
+        </p:spPr>
+        <p:txBody>
+          <a:bodyPr spcFirstLastPara="1" wrap="square" lIns="91425" tIns="45700" rIns="91425" bIns="45700" anchor="t" anchorCtr="0">
+            <a:noAutofit/>
+          </a:bodyPr>
+          <a:lstStyle/>
+          <a:p>
+            <a:pPr marL="0" lvl="0" indent="0" algn="l" rtl="0">
+              <a:spcBef>
+                <a:spcPts val="0"/>
+              </a:spcBef>
+              <a:spcAft>
+                <a:spcPts val="0"/>
+              </a:spcAft>
+              <a:buNone/>
+            </a:pPr>
+            <a:endParaRPr/>
+          </a:p>
+        </p:txBody>
+      </p:sp>
+      <p:sp>
+        <p:nvSpPr>
+          <p:cNvPr id="39" name="Google Shape;39;gfdc9444567_0_6:notes"/>
+          <p:cNvSpPr>
+            <a:spLocks noGrp="1" noRot="1" noChangeAspect="1"/>
+          </p:cNvSpPr>
+          <p:nvPr>
+            <p:ph type="sldImg" idx="2"/>
+          </p:nvPr>
+        </p:nvSpPr>
+        <p:spPr>
+          <a:xfrm>
+            <a:off x="685800" y="1143000"/>
+            <a:ext cx="5486400" cy="3086100"/>
+          </a:xfrm>
+          <a:custGeom>
+            <a:avLst/>
+            <a:gdLst/>
+            <a:ahLst/>
+            <a:cxnLst/>
+            <a:rect l="l" t="t" r="r" b="b"/>
+            <a:pathLst>
+              <a:path w="120000" h="120000" extrusionOk="0">
+                <a:moveTo>
+                  <a:pt x="0" y="0"/>
+                </a:moveTo>
+                <a:lnTo>
+                  <a:pt x="120000" y="0"/>
+                </a:lnTo>
+                <a:lnTo>
+                  <a:pt x="120000" y="120000"/>
+                </a:lnTo>
+                <a:lnTo>
+                  <a:pt x="0" y="120000"/>
+                </a:lnTo>
+                <a:close/>
+              </a:path>
+            </a:pathLst>
+          </a:custGeom>
+        </p:spPr>
+      </p:sp>
+    </p:spTree>
+    <p:extLst>
+      <p:ext uri="{BB962C8B-B14F-4D97-AF65-F5344CB8AC3E}">
+        <p14:creationId xmlns:p14="http://schemas.microsoft.com/office/powerpoint/2010/main" val="684911482"/>
+      </p:ext>
+    </p:extLst>
+  </p:cSld>
+  <p:clrMapOvr>
+    <a:masterClrMapping/>
+  </p:clrMapOvr>
+</p:notes>
+</file>
+
+<file path=ppt/notesSlides/notesSlide8.xml><?xml version="1.0" encoding="utf-8"?>
+<p:notes xmlns:a="http://schemas.openxmlformats.org/drawingml/2006/main" xmlns:r="http://schemas.openxmlformats.org/officeDocument/2006/relationships" xmlns:p="http://schemas.openxmlformats.org/presentationml/2006/main" showMasterSp="0" showMasterPhAnim="0">
+  <p:cSld>
+    <p:spTree>
+      <p:nvGrpSpPr>
         <p:cNvPr id="1" name="Shape 27"/>
         <p:cNvGrpSpPr/>
         <p:nvPr/>
@@ -2206,7 +2316,7 @@
 </p:notes>
 </file>
 
-<file path=ppt/notesSlides/notesSlide8.xml><?xml version="1.0" encoding="utf-8"?>
+<file path=ppt/notesSlides/notesSlide9.xml><?xml version="1.0" encoding="utf-8"?>
 <p:notes xmlns:a="http://schemas.openxmlformats.org/drawingml/2006/main" xmlns:r="http://schemas.openxmlformats.org/officeDocument/2006/relationships" xmlns:p="http://schemas.openxmlformats.org/presentationml/2006/main" showMasterSp="0" showMasterPhAnim="0">
   <p:cSld>
     <p:spTree>
@@ -5081,6 +5191,432 @@
   <p:cSld>
     <p:spTree>
       <p:nvGrpSpPr>
+        <p:cNvPr id="1" name="Shape 40"/>
+        <p:cNvGrpSpPr/>
+        <p:nvPr/>
+      </p:nvGrpSpPr>
+      <p:grpSpPr>
+        <a:xfrm>
+          <a:off x="0" y="0"/>
+          <a:ext cx="0" cy="0"/>
+          <a:chOff x="0" y="0"/>
+          <a:chExt cx="0" cy="0"/>
+        </a:xfrm>
+      </p:grpSpPr>
+      <p:sp>
+        <p:nvSpPr>
+          <p:cNvPr id="42" name="Google Shape;42;gfdc9444567_0_6"/>
+          <p:cNvSpPr txBox="1"/>
+          <p:nvPr/>
+        </p:nvSpPr>
+        <p:spPr>
+          <a:xfrm>
+            <a:off x="-4" y="1025651"/>
+            <a:ext cx="12192003" cy="707846"/>
+          </a:xfrm>
+          <a:prstGeom prst="rect">
+            <a:avLst/>
+          </a:prstGeom>
+          <a:noFill/>
+          <a:ln>
+            <a:noFill/>
+          </a:ln>
+        </p:spPr>
+        <p:txBody>
+          <a:bodyPr spcFirstLastPara="1" wrap="square" lIns="91425" tIns="45700" rIns="91425" bIns="45700" anchor="t" anchorCtr="0">
+            <a:spAutoFit/>
+          </a:bodyPr>
+          <a:lstStyle/>
+          <a:p>
+            <a:pPr marL="0" marR="0" lvl="0" indent="0" algn="ctr" rtl="0">
+              <a:spcBef>
+                <a:spcPts val="0"/>
+              </a:spcBef>
+              <a:spcAft>
+                <a:spcPts val="0"/>
+              </a:spcAft>
+              <a:buNone/>
+            </a:pPr>
+            <a:r>
+              <a:rPr lang="pt-BR" sz="4000" b="1" dirty="0">
+                <a:solidFill>
+                  <a:schemeClr val="accent2"/>
+                </a:solidFill>
+                <a:latin typeface="Calibri"/>
+                <a:ea typeface="Calibri"/>
+                <a:cs typeface="Calibri"/>
+                <a:sym typeface="Calibri"/>
+              </a:rPr>
+              <a:t>Bibliografia:</a:t>
+            </a:r>
+          </a:p>
+        </p:txBody>
+      </p:sp>
+      <p:sp>
+        <p:nvSpPr>
+          <p:cNvPr id="44" name="Google Shape;44;gfdc9444567_0_6"/>
+          <p:cNvSpPr txBox="1"/>
+          <p:nvPr/>
+        </p:nvSpPr>
+        <p:spPr>
+          <a:xfrm>
+            <a:off x="1931518" y="3536440"/>
+            <a:ext cx="9778500" cy="307800"/>
+          </a:xfrm>
+          <a:prstGeom prst="rect">
+            <a:avLst/>
+          </a:prstGeom>
+          <a:noFill/>
+          <a:ln>
+            <a:noFill/>
+          </a:ln>
+        </p:spPr>
+        <p:txBody>
+          <a:bodyPr spcFirstLastPara="1" wrap="square" lIns="91425" tIns="45700" rIns="91425" bIns="45700" anchor="t" anchorCtr="0">
+            <a:spAutoFit/>
+          </a:bodyPr>
+          <a:lstStyle/>
+          <a:p>
+            <a:pPr marL="0" marR="0" lvl="0" indent="0" algn="l" rtl="0">
+              <a:spcBef>
+                <a:spcPts val="0"/>
+              </a:spcBef>
+              <a:spcAft>
+                <a:spcPts val="0"/>
+              </a:spcAft>
+              <a:buNone/>
+            </a:pPr>
+            <a:endParaRPr/>
+          </a:p>
+        </p:txBody>
+      </p:sp>
+      <p:pic>
+        <p:nvPicPr>
+          <p:cNvPr id="45" name="Google Shape;45;gfdc9444567_0_6"/>
+          <p:cNvPicPr preferRelativeResize="0"/>
+          <p:nvPr/>
+        </p:nvPicPr>
+        <p:blipFill rotWithShape="1">
+          <a:blip r:embed="rId3">
+            <a:alphaModFix/>
+          </a:blip>
+          <a:srcRect/>
+          <a:stretch/>
+        </p:blipFill>
+        <p:spPr>
+          <a:xfrm>
+            <a:off x="0" y="0"/>
+            <a:ext cx="12192003" cy="514909"/>
+          </a:xfrm>
+          <a:prstGeom prst="rect">
+            <a:avLst/>
+          </a:prstGeom>
+          <a:noFill/>
+          <a:ln>
+            <a:noFill/>
+          </a:ln>
+        </p:spPr>
+      </p:pic>
+      <p:sp>
+        <p:nvSpPr>
+          <p:cNvPr id="3" name="CaixaDeTexto 2">
+            <a:extLst>
+              <a:ext uri="{FF2B5EF4-FFF2-40B4-BE49-F238E27FC236}">
+                <a16:creationId xmlns:a16="http://schemas.microsoft.com/office/drawing/2014/main" id="{BE5747CD-1E6E-019D-9E95-D2BBFD7432BB}"/>
+              </a:ext>
+            </a:extLst>
+          </p:cNvPr>
+          <p:cNvSpPr txBox="1"/>
+          <p:nvPr/>
+        </p:nvSpPr>
+        <p:spPr>
+          <a:xfrm>
+            <a:off x="72423" y="2408100"/>
+            <a:ext cx="12192004" cy="3108543"/>
+          </a:xfrm>
+          <a:prstGeom prst="rect">
+            <a:avLst/>
+          </a:prstGeom>
+          <a:noFill/>
+        </p:spPr>
+        <p:txBody>
+          <a:bodyPr wrap="square">
+            <a:spAutoFit/>
+          </a:bodyPr>
+          <a:lstStyle/>
+          <a:p>
+            <a:pPr algn="ctr"/>
+            <a:r>
+              <a:rPr lang="pt-BR" b="0" dirty="0">
+                <a:solidFill>
+                  <a:schemeClr val="tx1">
+                    <a:lumMod val="50000"/>
+                    <a:lumOff val="50000"/>
+                  </a:schemeClr>
+                </a:solidFill>
+                <a:effectLst/>
+                <a:latin typeface="Consolas" panose="020B0609020204030204" pitchFamily="49" charset="0"/>
+                <a:hlinkClick r:id="rId4"/>
+              </a:rPr>
+              <a:t>https://olhardigital.com.br/2022/01/17/seguranca/brasileiro-quis-comprar-software-espiao-da-empresa-emiradense-darkmatter-diz-site/</a:t>
+            </a:r>
+            <a:endParaRPr lang="pt-BR" b="0" dirty="0">
+              <a:solidFill>
+                <a:schemeClr val="tx1">
+                  <a:lumMod val="50000"/>
+                  <a:lumOff val="50000"/>
+                </a:schemeClr>
+              </a:solidFill>
+              <a:effectLst/>
+              <a:latin typeface="Consolas" panose="020B0609020204030204" pitchFamily="49" charset="0"/>
+            </a:endParaRPr>
+          </a:p>
+          <a:p>
+            <a:pPr algn="ctr"/>
+            <a:endParaRPr lang="pt-BR" dirty="0">
+              <a:solidFill>
+                <a:schemeClr val="tx1">
+                  <a:lumMod val="50000"/>
+                  <a:lumOff val="50000"/>
+                </a:schemeClr>
+              </a:solidFill>
+              <a:latin typeface="Consolas" panose="020B0609020204030204" pitchFamily="49" charset="0"/>
+            </a:endParaRPr>
+          </a:p>
+          <a:p>
+            <a:pPr algn="ctr"/>
+            <a:r>
+              <a:rPr lang="pt-BR" b="0" dirty="0">
+                <a:solidFill>
+                  <a:schemeClr val="tx1">
+                    <a:lumMod val="50000"/>
+                    <a:lumOff val="50000"/>
+                  </a:schemeClr>
+                </a:solidFill>
+                <a:effectLst/>
+                <a:latin typeface="Consolas" panose="020B0609020204030204" pitchFamily="49" charset="0"/>
+                <a:hlinkClick r:id="rId5"/>
+              </a:rPr>
+              <a:t>https://www.cnnbrasil.com.br/nacional/tcu-libera-contrato-do-ministerio-da-justica-para-uso-de-sistema-espiao-pegasus/</a:t>
+            </a:r>
+            <a:endParaRPr lang="pt-BR" b="0" dirty="0">
+              <a:solidFill>
+                <a:schemeClr val="tx1">
+                  <a:lumMod val="50000"/>
+                  <a:lumOff val="50000"/>
+                </a:schemeClr>
+              </a:solidFill>
+              <a:effectLst/>
+              <a:latin typeface="Consolas" panose="020B0609020204030204" pitchFamily="49" charset="0"/>
+            </a:endParaRPr>
+          </a:p>
+          <a:p>
+            <a:pPr algn="ctr"/>
+            <a:endParaRPr lang="pt-BR" dirty="0">
+              <a:solidFill>
+                <a:schemeClr val="tx1">
+                  <a:lumMod val="50000"/>
+                  <a:lumOff val="50000"/>
+                </a:schemeClr>
+              </a:solidFill>
+              <a:latin typeface="Consolas" panose="020B0609020204030204" pitchFamily="49" charset="0"/>
+            </a:endParaRPr>
+          </a:p>
+          <a:p>
+            <a:pPr algn="ctr"/>
+            <a:r>
+              <a:rPr lang="pt-BR" b="0" dirty="0">
+                <a:solidFill>
+                  <a:schemeClr val="tx1">
+                    <a:lumMod val="50000"/>
+                    <a:lumOff val="50000"/>
+                  </a:schemeClr>
+                </a:solidFill>
+                <a:effectLst/>
+                <a:latin typeface="Consolas" panose="020B0609020204030204" pitchFamily="49" charset="0"/>
+                <a:hlinkClick r:id="rId6"/>
+              </a:rPr>
+              <a:t>https://www.brasildefato.com.br/2022/08/11/espionagem-vira-obsessao-no-governo-bolsonaro-relembre-casos-criticados-por-entidades-da-area</a:t>
+            </a:r>
+            <a:endParaRPr lang="pt-BR" b="0" dirty="0">
+              <a:solidFill>
+                <a:schemeClr val="tx1">
+                  <a:lumMod val="50000"/>
+                  <a:lumOff val="50000"/>
+                </a:schemeClr>
+              </a:solidFill>
+              <a:effectLst/>
+              <a:latin typeface="Consolas" panose="020B0609020204030204" pitchFamily="49" charset="0"/>
+            </a:endParaRPr>
+          </a:p>
+          <a:p>
+            <a:pPr algn="ctr"/>
+            <a:endParaRPr lang="pt-BR" dirty="0">
+              <a:solidFill>
+                <a:schemeClr val="tx1">
+                  <a:lumMod val="50000"/>
+                  <a:lumOff val="50000"/>
+                </a:schemeClr>
+              </a:solidFill>
+              <a:latin typeface="Consolas" panose="020B0609020204030204" pitchFamily="49" charset="0"/>
+            </a:endParaRPr>
+          </a:p>
+          <a:p>
+            <a:pPr algn="ctr"/>
+            <a:r>
+              <a:rPr lang="pt-BR" b="0" dirty="0">
+                <a:solidFill>
+                  <a:schemeClr val="tx1">
+                    <a:lumMod val="50000"/>
+                    <a:lumOff val="50000"/>
+                  </a:schemeClr>
+                </a:solidFill>
+                <a:effectLst/>
+                <a:latin typeface="Consolas" panose="020B0609020204030204" pitchFamily="49" charset="0"/>
+                <a:hlinkClick r:id="rId7"/>
+              </a:rPr>
+              <a:t>https://www1.folha.uol.com.br/poder/2022/08/exercito-compra-equipamento-para-acessar-celulares-e-silencia-sobre-motivos.shtml</a:t>
+            </a:r>
+            <a:endParaRPr lang="pt-BR" b="0" dirty="0">
+              <a:solidFill>
+                <a:schemeClr val="tx1">
+                  <a:lumMod val="50000"/>
+                  <a:lumOff val="50000"/>
+                </a:schemeClr>
+              </a:solidFill>
+              <a:effectLst/>
+              <a:latin typeface="Consolas" panose="020B0609020204030204" pitchFamily="49" charset="0"/>
+            </a:endParaRPr>
+          </a:p>
+          <a:p>
+            <a:pPr algn="ctr"/>
+            <a:endParaRPr lang="pt-BR" dirty="0">
+              <a:solidFill>
+                <a:schemeClr val="tx1">
+                  <a:lumMod val="50000"/>
+                  <a:lumOff val="50000"/>
+                </a:schemeClr>
+              </a:solidFill>
+              <a:latin typeface="Consolas" panose="020B0609020204030204" pitchFamily="49" charset="0"/>
+            </a:endParaRPr>
+          </a:p>
+          <a:p>
+            <a:pPr algn="ctr"/>
+            <a:r>
+              <a:rPr lang="pt-BR" b="0" dirty="0">
+                <a:solidFill>
+                  <a:schemeClr val="tx1">
+                    <a:lumMod val="50000"/>
+                    <a:lumOff val="50000"/>
+                  </a:schemeClr>
+                </a:solidFill>
+                <a:effectLst/>
+                <a:latin typeface="Consolas" panose="020B0609020204030204" pitchFamily="49" charset="0"/>
+                <a:hlinkClick r:id="rId8"/>
+              </a:rPr>
+              <a:t>https://veja.abril.com.br/coluna/maquiavel/fundo-liberou-verba-para-compra-do-pegasus-mas-orgaos-desistiram/</a:t>
+            </a:r>
+            <a:endParaRPr lang="pt-BR" b="0" dirty="0">
+              <a:solidFill>
+                <a:schemeClr val="tx1">
+                  <a:lumMod val="50000"/>
+                  <a:lumOff val="50000"/>
+                </a:schemeClr>
+              </a:solidFill>
+              <a:effectLst/>
+              <a:latin typeface="Consolas" panose="020B0609020204030204" pitchFamily="49" charset="0"/>
+            </a:endParaRPr>
+          </a:p>
+          <a:p>
+            <a:pPr algn="ctr"/>
+            <a:endParaRPr lang="pt-BR" dirty="0">
+              <a:solidFill>
+                <a:schemeClr val="tx1">
+                  <a:lumMod val="50000"/>
+                  <a:lumOff val="50000"/>
+                </a:schemeClr>
+              </a:solidFill>
+              <a:latin typeface="Consolas" panose="020B0609020204030204" pitchFamily="49" charset="0"/>
+            </a:endParaRPr>
+          </a:p>
+          <a:p>
+            <a:pPr algn="ctr"/>
+            <a:endParaRPr lang="pt-BR" b="0" dirty="0">
+              <a:solidFill>
+                <a:schemeClr val="tx1">
+                  <a:lumMod val="50000"/>
+                  <a:lumOff val="50000"/>
+                </a:schemeClr>
+              </a:solidFill>
+              <a:effectLst/>
+              <a:latin typeface="Consolas" panose="020B0609020204030204" pitchFamily="49" charset="0"/>
+            </a:endParaRPr>
+          </a:p>
+        </p:txBody>
+      </p:sp>
+      <p:sp>
+        <p:nvSpPr>
+          <p:cNvPr id="5" name="CaixaDeTexto 4">
+            <a:extLst>
+              <a:ext uri="{FF2B5EF4-FFF2-40B4-BE49-F238E27FC236}">
+                <a16:creationId xmlns:a16="http://schemas.microsoft.com/office/drawing/2014/main" id="{9B93A857-80BF-C913-21A7-8A7CE04D11BD}"/>
+              </a:ext>
+            </a:extLst>
+          </p:cNvPr>
+          <p:cNvSpPr txBox="1"/>
+          <p:nvPr/>
+        </p:nvSpPr>
+        <p:spPr>
+          <a:xfrm>
+            <a:off x="0" y="1616044"/>
+            <a:ext cx="12191999" cy="307777"/>
+          </a:xfrm>
+          <a:prstGeom prst="rect">
+            <a:avLst/>
+          </a:prstGeom>
+          <a:noFill/>
+        </p:spPr>
+        <p:txBody>
+          <a:bodyPr wrap="square">
+            <a:spAutoFit/>
+          </a:bodyPr>
+          <a:lstStyle/>
+          <a:p>
+            <a:pPr algn="ctr"/>
+            <a:r>
+              <a:rPr lang="pt-BR" b="0" dirty="0">
+                <a:solidFill>
+                  <a:schemeClr val="tx1">
+                    <a:lumMod val="50000"/>
+                    <a:lumOff val="50000"/>
+                  </a:schemeClr>
+                </a:solidFill>
+                <a:effectLst/>
+                <a:latin typeface="Consolas" panose="020B0609020204030204" pitchFamily="49" charset="0"/>
+              </a:rPr>
+              <a:t>Algumas notícias</a:t>
+            </a:r>
+          </a:p>
+        </p:txBody>
+      </p:sp>
+    </p:spTree>
+    <p:extLst>
+      <p:ext uri="{BB962C8B-B14F-4D97-AF65-F5344CB8AC3E}">
+        <p14:creationId xmlns:p14="http://schemas.microsoft.com/office/powerpoint/2010/main" val="1274440436"/>
+      </p:ext>
+    </p:extLst>
+  </p:cSld>
+  <p:clrMapOvr>
+    <a:masterClrMapping/>
+  </p:clrMapOvr>
+</p:sld>
+</file>
+
+<file path=ppt/slides/slide8.xml><?xml version="1.0" encoding="utf-8"?>
+<p:sld xmlns:a="http://schemas.openxmlformats.org/drawingml/2006/main" xmlns:r="http://schemas.openxmlformats.org/officeDocument/2006/relationships" xmlns:p="http://schemas.openxmlformats.org/presentationml/2006/main">
+  <p:cSld>
+    <p:spTree>
+      <p:nvGrpSpPr>
         <p:cNvPr id="1" name="Shape 30"/>
         <p:cNvGrpSpPr/>
         <p:nvPr/>
@@ -5410,7 +5946,7 @@
 </p:sld>
 </file>
 
-<file path=ppt/slides/slide8.xml><?xml version="1.0" encoding="utf-8"?>
+<file path=ppt/slides/slide9.xml><?xml version="1.0" encoding="utf-8"?>
 <p:sld xmlns:a="http://schemas.openxmlformats.org/drawingml/2006/main" xmlns:r="http://schemas.openxmlformats.org/officeDocument/2006/relationships" xmlns:p="http://schemas.openxmlformats.org/presentationml/2006/main">
   <p:cSld>
     <p:spTree>
